--- a/slides/pptx/MotivatingIdea_ACC.pptx
+++ b/slides/pptx/MotivatingIdea_ACC.pptx
@@ -10,6 +10,7 @@
     <p:sldId id="258" r:id="rId10"/>
     <p:sldId id="259" r:id="rId11"/>
     <p:sldId id="260" r:id="rId12"/>
+    <p:sldId id="261" r:id="rId13"/>
   </p:sldIdLst>
   <p:sldSz cx="8134350" cy="4572000" type="screen4x3"/>
   <p:notesSz cx="6858000" cy="9144000"/>
@@ -726,6 +727,72 @@
 </file>
 
 <file path=ppt/notesSlides/notesSlide5.xml><?xml version="1.0" encoding="utf-8"?>
+<p:notes xmlns:a="http://schemas.openxmlformats.org/drawingml/2006/main" xmlns:p="http://schemas.openxmlformats.org/presentationml/2006/main" xmlns:r="http://schemas.openxmlformats.org/officeDocument/2006/relationships">
+  <p:cSld>
+    <p:spTree>
+      <p:nvGrpSpPr>
+        <p:cNvPr id="1" name=""/>
+        <p:cNvGrpSpPr/>
+        <p:nvPr/>
+      </p:nvGrpSpPr>
+      <p:grpSpPr>
+        <a:xfrm>
+          <a:off x="0" y="0"/>
+          <a:ext cx="0" cy="0"/>
+          <a:chOff x="0" y="0"/>
+          <a:chExt cx="0" cy="0"/>
+        </a:xfrm>
+      </p:grpSpPr>
+      <p:sp>
+        <p:nvSpPr>
+          <p:cNvPr id="2" name="Slide Image Placeholder 1"/>
+          <p:cNvSpPr>
+            <a:spLocks noGrp="1"/>
+          </p:cNvSpPr>
+          <p:nvPr>
+            <p:ph type="sldImg" idx="2"/>
+          </p:nvPr>
+        </p:nvSpPr>
+        <p:spPr/>
+      </p:sp>
+      <p:sp>
+        <p:nvSpPr>
+          <p:cNvPr id="3" name="Notes Placeholder 2"/>
+          <p:cNvSpPr>
+            <a:spLocks noGrp="1"/>
+          </p:cNvSpPr>
+          <p:nvPr>
+            <p:ph type="body" idx="3" sz="quarter"/>
+          </p:nvPr>
+        </p:nvSpPr>
+        <p:spPr/>
+        <p:txBody>
+          <a:bodyPr/>
+          <a:lstStyle/>
+          <a:p/>
+        </p:txBody>
+      </p:sp>
+      <p:sp>
+        <p:nvSpPr>
+          <p:cNvPr id="4" name="Slide Number Placeholder 3"/>
+          <p:cNvSpPr>
+            <a:spLocks noGrp="1"/>
+          </p:cNvSpPr>
+          <p:nvPr>
+            <p:ph type="sldNum" idx="5" sz="quarter"/>
+          </p:nvPr>
+        </p:nvSpPr>
+        <p:spPr/>
+      </p:sp>
+    </p:spTree>
+  </p:cSld>
+  <p:clrMapOvr>
+    <a:masterClrMapping/>
+  </p:clrMapOvr>
+</p:notes>
+</file>
+
+<file path=ppt/notesSlides/notesSlide6.xml><?xml version="1.0" encoding="utf-8"?>
 <p:notes xmlns:a="http://schemas.openxmlformats.org/drawingml/2006/main" xmlns:p="http://schemas.openxmlformats.org/presentationml/2006/main" xmlns:r="http://schemas.openxmlformats.org/officeDocument/2006/relationships">
   <p:cSld>
     <p:spTree>
@@ -3774,7 +3841,7 @@
       <p:grpSpPr/>
       <p:pic>
         <p:nvPicPr>
-          <p:cNvPr id="2" name="3163782288_2765445600_2305296804.mp4">
+          <p:cNvPr id="2" name="3163782288_2386216564_271790524.mp4">
             <a:hlinkClick r:id="" action="ppaction://media"/>
           </p:cNvPr>
           <p:cNvPicPr>
@@ -3941,7 +4008,7 @@
       <p:grpSpPr/>
       <p:pic>
         <p:nvPicPr>
-          <p:cNvPr id="2" name="2201830969_2908183375_2811654065.mp4">
+          <p:cNvPr id="2" name="2201830969_450239178_2692501948.mp4">
             <a:hlinkClick r:id="" action="ppaction://media"/>
           </p:cNvPr>
           <p:cNvPicPr>
@@ -4108,7 +4175,7 @@
       <p:grpSpPr/>
       <p:pic>
         <p:nvPicPr>
-          <p:cNvPr id="2" name="2201830969_1291101449_1962811585.mp4">
+          <p:cNvPr id="2" name="2201830969_1126605128_3597031770.mp4">
             <a:hlinkClick r:id="" action="ppaction://media"/>
           </p:cNvPr>
           <p:cNvPicPr>
@@ -4141,7 +4208,7 @@
       </p:pic>
       <p:pic>
         <p:nvPicPr>
-          <p:cNvPr id="3" name="2201830969_1126060677_3988958800.mp4">
+          <p:cNvPr id="3" name="2201830969_1126060677_3670768220.mp4">
             <a:hlinkClick r:id="" action="ppaction://media"/>
           </p:cNvPr>
           <p:cNvPicPr>
@@ -4430,7 +4497,7 @@
       <p:grpSpPr/>
       <p:pic>
         <p:nvPicPr>
-          <p:cNvPr id="2" name="2201830969_2382071391_3988958800.mp4">
+          <p:cNvPr id="2" name="2201830969_2382071391_3670768220.mp4">
             <a:hlinkClick r:id="" action="ppaction://media"/>
           </p:cNvPr>
           <p:cNvPicPr>
@@ -4597,7 +4664,7 @@
       <p:grpSpPr/>
       <p:pic>
         <p:nvPicPr>
-          <p:cNvPr id="2" name="2201830969_1300406574_970591321.mp4">
+          <p:cNvPr id="2" name="2201830969_1300406574_349266577.mp4">
             <a:hlinkClick r:id="" action="ppaction://media"/>
           </p:cNvPr>
           <p:cNvPicPr>
@@ -4630,7 +4697,329 @@
       </p:pic>
       <p:pic>
         <p:nvPicPr>
-          <p:cNvPr id="3" name="2201830969_729323998_1127281745.mp4">
+          <p:cNvPr id="3" name="2201830969_729323998_2132669206.mp4">
+            <a:hlinkClick r:id="" action="ppaction://media"/>
+          </p:cNvPr>
+          <p:cNvPicPr>
+            <a:picLocks noChangeAspect="1"/>
+          </p:cNvPicPr>
+          <p:nvPr>
+            <a:videoFile r:link="rId7"/>
+            <p:extLst>
+              <p:ext uri="{DAA4B4D4-6D71-4841-9C94-3DE7FCFB9230}">
+                <p14:media xmlns:p14="http://schemas.microsoft.com/office/powerpoint/2010/main" r:embed="rId6"/>
+              </p:ext>
+            </p:extLst>
+          </p:nvPr>
+        </p:nvPicPr>
+        <p:blipFill>
+          <a:blip r:embed="rId8"/>
+          <a:stretch>
+            <a:fillRect/>
+          </a:stretch>
+        </p:blipFill>
+        <p:spPr>
+          <a:xfrm>
+            <a:off x="0" y="0"/>
+            <a:ext cx="8134350" cy="4572000"/>
+          </a:xfrm>
+          <a:prstGeom prst="rect">
+            <a:avLst/>
+          </a:prstGeom>
+        </p:spPr>
+      </p:pic>
+    </p:spTree>
+  </p:cSld>
+  <p:clrMapOvr>
+    <a:masterClrMapping/>
+  </p:clrMapOvr>
+  <p:timing>
+    <p:tnLst>
+      <p:par>
+        <p:cTn id="1" dur="indefinite" restart="never" nodeType="tmRoot">
+          <p:childTnLst>
+            <p:seq concurrent="1" nextAc="seek">
+              <p:cTn id="2" dur="indefinite" nodeType="mainSeq">
+                <p:childTnLst>
+                  <p:par>
+                    <p:cTn id="3" fill="hold">
+                      <p:stCondLst>
+                        <p:cond delay="indefinite"/>
+                        <p:cond evt="onBegin" delay="0">
+                          <p:tn val="2"/>
+                        </p:cond>
+                      </p:stCondLst>
+                      <p:childTnLst>
+                        <p:par>
+                          <p:cTn id="4" fill="hold">
+                            <p:stCondLst>
+                              <p:cond delay="0"/>
+                            </p:stCondLst>
+                            <p:childTnLst>
+                              <p:par>
+                                <p:cTn id="5" presetID="1" presetClass="entr" presetSubtype="0" fill="hold" nodeType="withEffect">
+                                  <p:stCondLst>
+                                    <p:cond delay="0"/>
+                                  </p:stCondLst>
+                                  <p:childTnLst>
+                                    <p:set>
+                                      <p:cBhvr>
+                                        <p:cTn id="6" dur="1" fill="hold">
+                                          <p:stCondLst>
+                                            <p:cond delay="0"/>
+                                          </p:stCondLst>
+                                        </p:cTn>
+                                        <p:tgtEl>
+                                          <p:spTgt spid="2"/>
+                                        </p:tgtEl>
+                                        <p:attrNameLst>
+                                          <p:attrName>style.visibility</p:attrName>
+                                        </p:attrNameLst>
+                                      </p:cBhvr>
+                                      <p:to>
+                                        <p:strVal val="visible"/>
+                                      </p:to>
+                                    </p:set>
+                                  </p:childTnLst>
+                                </p:cTn>
+                              </p:par>
+                            </p:childTnLst>
+                          </p:cTn>
+                        </p:par>
+                        <p:par>
+                          <p:cTn id="7" fill="hold">
+                            <p:stCondLst>
+                              <p:cond delay="0"/>
+                            </p:stCondLst>
+                            <p:childTnLst>
+                              <p:par>
+                                <p:cTn id="8" presetID="1" presetClass="mediacall" presetSubtype="0" fill="hold" nodeType="afterEffect">
+                                  <p:stCondLst>
+                                    <p:cond delay="0"/>
+                                  </p:stCondLst>
+                                  <p:childTnLst>
+                                    <p:cmd type="call" cmd="playFrom(0.0)">
+                                      <p:cBhvr>
+                                        <p:cTn id="9" dur="1000" fill="hold"/>
+                                        <p:tgtEl>
+                                          <p:spTgt spid="2"/>
+                                        </p:tgtEl>
+                                      </p:cBhvr>
+                                    </p:cmd>
+                                  </p:childTnLst>
+                                </p:cTn>
+                              </p:par>
+                            </p:childTnLst>
+                          </p:cTn>
+                        </p:par>
+                        <p:par>
+                          <p:cTn id="10" fill="hold">
+                            <p:stCondLst>
+                              <p:cond delay="1000"/>
+                            </p:stCondLst>
+                            <p:childTnLst>
+                              <p:par>
+                                <p:cTn id="11" presetID="1" presetClass="exit" presetSubtype="0" fill="hold" nodeType="afterEffect">
+                                  <p:stCondLst>
+                                    <p:cond delay="0"/>
+                                  </p:stCondLst>
+                                  <p:childTnLst>
+                                    <p:set>
+                                      <p:cBhvr>
+                                        <p:cTn id="12" dur="1" fill="hold">
+                                          <p:stCondLst>
+                                            <p:cond delay="0"/>
+                                          </p:stCondLst>
+                                        </p:cTn>
+                                        <p:tgtEl>
+                                          <p:spTgt spid="2"/>
+                                        </p:tgtEl>
+                                        <p:attrNameLst>
+                                          <p:attrName>style.visibility</p:attrName>
+                                        </p:attrNameLst>
+                                      </p:cBhvr>
+                                      <p:to>
+                                        <p:strVal val="hidden"/>
+                                      </p:to>
+                                    </p:set>
+                                    <p:cmd type="call" cmd="stop">
+                                      <p:cBhvr>
+                                        <p:cTn id="13" dur="1" fill="hold">
+                                          <p:stCondLst>
+                                            <p:cond delay="0"/>
+                                          </p:stCondLst>
+                                        </p:cTn>
+                                        <p:tgtEl>
+                                          <p:spTgt spid="2"/>
+                                        </p:tgtEl>
+                                      </p:cBhvr>
+                                    </p:cmd>
+                                  </p:childTnLst>
+                                </p:cTn>
+                              </p:par>
+                            </p:childTnLst>
+                          </p:cTn>
+                        </p:par>
+                        <p:par>
+                          <p:cTn id="14" fill="hold">
+                            <p:stCondLst>
+                              <p:cond delay="1000"/>
+                            </p:stCondLst>
+                            <p:childTnLst>
+                              <p:par>
+                                <p:cTn id="15" presetID="1" presetClass="entr" presetSubtype="0" fill="hold" nodeType="afterEffect">
+                                  <p:stCondLst>
+                                    <p:cond delay="0"/>
+                                  </p:stCondLst>
+                                  <p:childTnLst>
+                                    <p:set>
+                                      <p:cBhvr>
+                                        <p:cTn id="16" dur="1" fill="hold">
+                                          <p:stCondLst>
+                                            <p:cond delay="0"/>
+                                          </p:stCondLst>
+                                        </p:cTn>
+                                        <p:tgtEl>
+                                          <p:spTgt spid="3"/>
+                                        </p:tgtEl>
+                                        <p:attrNameLst>
+                                          <p:attrName>style.visibility</p:attrName>
+                                        </p:attrNameLst>
+                                      </p:cBhvr>
+                                      <p:to>
+                                        <p:strVal val="visible"/>
+                                      </p:to>
+                                    </p:set>
+                                  </p:childTnLst>
+                                </p:cTn>
+                              </p:par>
+                            </p:childTnLst>
+                          </p:cTn>
+                        </p:par>
+                        <p:par>
+                          <p:cTn id="17" fill="hold">
+                            <p:stCondLst>
+                              <p:cond delay="1000"/>
+                            </p:stCondLst>
+                            <p:childTnLst>
+                              <p:par>
+                                <p:cTn id="18" presetID="1" presetClass="mediacall" presetSubtype="0" fill="hold" nodeType="afterEffect">
+                                  <p:stCondLst>
+                                    <p:cond delay="0"/>
+                                  </p:stCondLst>
+                                  <p:childTnLst>
+                                    <p:cmd type="call" cmd="playFrom(0.0)">
+                                      <p:cBhvr>
+                                        <p:cTn id="19" dur="1000" fill="hold"/>
+                                        <p:tgtEl>
+                                          <p:spTgt spid="3"/>
+                                        </p:tgtEl>
+                                      </p:cBhvr>
+                                    </p:cmd>
+                                  </p:childTnLst>
+                                </p:cTn>
+                              </p:par>
+                            </p:childTnLst>
+                          </p:cTn>
+                        </p:par>
+                      </p:childTnLst>
+                    </p:cTn>
+                  </p:par>
+                </p:childTnLst>
+              </p:cTn>
+              <p:prevCondLst>
+                <p:cond evt="onPrev" delay="0">
+                  <p:tgtEl>
+                    <p:sldTgt/>
+                  </p:tgtEl>
+                </p:cond>
+              </p:prevCondLst>
+              <p:nextCondLst>
+                <p:cond evt="onNext" delay="0">
+                  <p:tgtEl>
+                    <p:sldTgt/>
+                  </p:tgtEl>
+                </p:cond>
+              </p:nextCondLst>
+            </p:seq>
+            <p:video>
+              <p:cMediaNode vol="80000">
+                <p:cTn id="20" fill="hold" display="0">
+                  <p:stCondLst>
+                    <p:cond delay="indefinite"/>
+                  </p:stCondLst>
+                </p:cTn>
+                <p:tgtEl>
+                  <p:spTgt spid="2"/>
+                </p:tgtEl>
+              </p:cMediaNode>
+            </p:video>
+            <p:video>
+              <p:cMediaNode vol="80000">
+                <p:cTn id="21" fill="hold" display="0">
+                  <p:stCondLst>
+                    <p:cond delay="indefinite"/>
+                  </p:stCondLst>
+                </p:cTn>
+                <p:tgtEl>
+                  <p:spTgt spid="3"/>
+                </p:tgtEl>
+              </p:cMediaNode>
+            </p:video>
+          </p:childTnLst>
+        </p:cTn>
+      </p:par>
+    </p:tnLst>
+  </p:timing>
+</p:sld>
+</file>
+
+<file path=ppt/slides/slide6.xml><?xml version="1.0" encoding="utf-8"?>
+<p:sld xmlns:a="http://schemas.openxmlformats.org/drawingml/2006/main" xmlns:p="http://schemas.openxmlformats.org/presentationml/2006/main" xmlns:r="http://schemas.openxmlformats.org/officeDocument/2006/relationships">
+  <p:cSld>
+    <p:spTree>
+      <p:nvGrpSpPr>
+        <p:cNvPr id="1" name=""/>
+        <p:cNvGrpSpPr/>
+        <p:nvPr/>
+      </p:nvGrpSpPr>
+      <p:grpSpPr/>
+      <p:pic>
+        <p:nvPicPr>
+          <p:cNvPr id="2" name="2201830969_4239298139_2315498296.mp4">
+            <a:hlinkClick r:id="" action="ppaction://media"/>
+          </p:cNvPr>
+          <p:cNvPicPr>
+            <a:picLocks noChangeAspect="1"/>
+          </p:cNvPicPr>
+          <p:nvPr>
+            <a:videoFile r:link="rId4"/>
+            <p:extLst>
+              <p:ext uri="{DAA4B4D4-6D71-4841-9C94-3DE7FCFB9230}">
+                <p14:media xmlns:p14="http://schemas.microsoft.com/office/powerpoint/2010/main" r:embed="rId3"/>
+              </p:ext>
+            </p:extLst>
+          </p:nvPr>
+        </p:nvPicPr>
+        <p:blipFill>
+          <a:blip r:embed="rId5"/>
+          <a:stretch>
+            <a:fillRect/>
+          </a:stretch>
+        </p:blipFill>
+        <p:spPr>
+          <a:xfrm>
+            <a:off x="0" y="0"/>
+            <a:ext cx="8134350" cy="4572000"/>
+          </a:xfrm>
+          <a:prstGeom prst="rect">
+            <a:avLst/>
+          </a:prstGeom>
+        </p:spPr>
+      </p:pic>
+      <p:pic>
+        <p:nvPicPr>
+          <p:cNvPr id="3" name="2201830969_398514950_685646972.mp4">
             <a:hlinkClick r:id="" action="ppaction://media"/>
           </p:cNvPr>
           <p:cNvPicPr>
